--- a/assets/images/uni-logos/uni-logos.pptx
+++ b/assets/images/uni-logos/uni-logos.pptx
@@ -5,13 +5,14 @@
     <p:sldMasterId id="2147483660" r:id="rId1"/>
   </p:sldMasterIdLst>
   <p:notesMasterIdLst>
-    <p:notesMasterId r:id="rId6"/>
+    <p:notesMasterId r:id="rId7"/>
   </p:notesMasterIdLst>
   <p:sldIdLst>
     <p:sldId id="257" r:id="rId2"/>
     <p:sldId id="258" r:id="rId3"/>
     <p:sldId id="259" r:id="rId4"/>
     <p:sldId id="260" r:id="rId5"/>
+    <p:sldId id="261" r:id="rId6"/>
   </p:sldIdLst>
   <p:sldSz cx="4572000" cy="3429000"/>
   <p:notesSz cx="6858000" cy="9144000"/>
@@ -200,7 +201,7 @@
           <a:p>
             <a:fld id="{5D31B128-9EA8-C148-AD50-0FD7428A811D}" type="datetimeFigureOut">
               <a:rPr lang="en-US" smtClean="0"/>
-              <a:t>5/25/24</a:t>
+              <a:t>5/26/24</a:t>
             </a:fld>
             <a:endParaRPr lang="en-US"/>
           </a:p>
@@ -682,7 +683,7 @@
           <a:p>
             <a:fld id="{6FBFD3C5-2A4E-4C40-8599-823EB43C827F}" type="datetimeFigureOut">
               <a:rPr lang="en-US" smtClean="0"/>
-              <a:t>5/25/24</a:t>
+              <a:t>5/26/24</a:t>
             </a:fld>
             <a:endParaRPr lang="en-US"/>
           </a:p>
@@ -852,7 +853,7 @@
           <a:p>
             <a:fld id="{6FBFD3C5-2A4E-4C40-8599-823EB43C827F}" type="datetimeFigureOut">
               <a:rPr lang="en-US" smtClean="0"/>
-              <a:t>5/25/24</a:t>
+              <a:t>5/26/24</a:t>
             </a:fld>
             <a:endParaRPr lang="en-US"/>
           </a:p>
@@ -1032,7 +1033,7 @@
           <a:p>
             <a:fld id="{6FBFD3C5-2A4E-4C40-8599-823EB43C827F}" type="datetimeFigureOut">
               <a:rPr lang="en-US" smtClean="0"/>
-              <a:t>5/25/24</a:t>
+              <a:t>5/26/24</a:t>
             </a:fld>
             <a:endParaRPr lang="en-US"/>
           </a:p>
@@ -1202,7 +1203,7 @@
           <a:p>
             <a:fld id="{6FBFD3C5-2A4E-4C40-8599-823EB43C827F}" type="datetimeFigureOut">
               <a:rPr lang="en-US" smtClean="0"/>
-              <a:t>5/25/24</a:t>
+              <a:t>5/26/24</a:t>
             </a:fld>
             <a:endParaRPr lang="en-US"/>
           </a:p>
@@ -1448,7 +1449,7 @@
           <a:p>
             <a:fld id="{6FBFD3C5-2A4E-4C40-8599-823EB43C827F}" type="datetimeFigureOut">
               <a:rPr lang="en-US" smtClean="0"/>
-              <a:t>5/25/24</a:t>
+              <a:t>5/26/24</a:t>
             </a:fld>
             <a:endParaRPr lang="en-US"/>
           </a:p>
@@ -1680,7 +1681,7 @@
           <a:p>
             <a:fld id="{6FBFD3C5-2A4E-4C40-8599-823EB43C827F}" type="datetimeFigureOut">
               <a:rPr lang="en-US" smtClean="0"/>
-              <a:t>5/25/24</a:t>
+              <a:t>5/26/24</a:t>
             </a:fld>
             <a:endParaRPr lang="en-US"/>
           </a:p>
@@ -2047,7 +2048,7 @@
           <a:p>
             <a:fld id="{6FBFD3C5-2A4E-4C40-8599-823EB43C827F}" type="datetimeFigureOut">
               <a:rPr lang="en-US" smtClean="0"/>
-              <a:t>5/25/24</a:t>
+              <a:t>5/26/24</a:t>
             </a:fld>
             <a:endParaRPr lang="en-US"/>
           </a:p>
@@ -2165,7 +2166,7 @@
           <a:p>
             <a:fld id="{6FBFD3C5-2A4E-4C40-8599-823EB43C827F}" type="datetimeFigureOut">
               <a:rPr lang="en-US" smtClean="0"/>
-              <a:t>5/25/24</a:t>
+              <a:t>5/26/24</a:t>
             </a:fld>
             <a:endParaRPr lang="en-US"/>
           </a:p>
@@ -2260,7 +2261,7 @@
           <a:p>
             <a:fld id="{6FBFD3C5-2A4E-4C40-8599-823EB43C827F}" type="datetimeFigureOut">
               <a:rPr lang="en-US" smtClean="0"/>
-              <a:t>5/25/24</a:t>
+              <a:t>5/26/24</a:t>
             </a:fld>
             <a:endParaRPr lang="en-US"/>
           </a:p>
@@ -2537,7 +2538,7 @@
           <a:p>
             <a:fld id="{6FBFD3C5-2A4E-4C40-8599-823EB43C827F}" type="datetimeFigureOut">
               <a:rPr lang="en-US" smtClean="0"/>
-              <a:t>5/25/24</a:t>
+              <a:t>5/26/24</a:t>
             </a:fld>
             <a:endParaRPr lang="en-US"/>
           </a:p>
@@ -2794,7 +2795,7 @@
           <a:p>
             <a:fld id="{6FBFD3C5-2A4E-4C40-8599-823EB43C827F}" type="datetimeFigureOut">
               <a:rPr lang="en-US" smtClean="0"/>
-              <a:t>5/25/24</a:t>
+              <a:t>5/26/24</a:t>
             </a:fld>
             <a:endParaRPr lang="en-US"/>
           </a:p>
@@ -3013,7 +3014,7 @@
           <a:p>
             <a:fld id="{6FBFD3C5-2A4E-4C40-8599-823EB43C827F}" type="datetimeFigureOut">
               <a:rPr lang="en-US" smtClean="0"/>
-              <a:t>5/25/24</a:t>
+              <a:t>5/26/24</a:t>
             </a:fld>
             <a:endParaRPr lang="en-US"/>
           </a:p>
@@ -3879,6 +3880,188 @@
           <a:chExt cx="0" cy="0"/>
         </a:xfrm>
       </p:grpSpPr>
+      <p:grpSp>
+        <p:nvGrpSpPr>
+          <p:cNvPr id="2" name="Group 1">
+            <a:extLst>
+              <a:ext uri="{FF2B5EF4-FFF2-40B4-BE49-F238E27FC236}">
+                <a16:creationId xmlns:a16="http://schemas.microsoft.com/office/drawing/2014/main" id="{D9CCDBFE-D418-27D1-628F-FB8642DF82E0}"/>
+              </a:ext>
+            </a:extLst>
+          </p:cNvPr>
+          <p:cNvGrpSpPr/>
+          <p:nvPr/>
+        </p:nvGrpSpPr>
+        <p:grpSpPr>
+          <a:xfrm>
+            <a:off x="-1" y="0"/>
+            <a:ext cx="4572001" cy="3431297"/>
+            <a:chOff x="-1" y="0"/>
+            <a:chExt cx="4572001" cy="3431297"/>
+          </a:xfrm>
+        </p:grpSpPr>
+        <p:sp>
+          <p:nvSpPr>
+            <p:cNvPr id="7" name="TextBox 6">
+              <a:extLst>
+                <a:ext uri="{FF2B5EF4-FFF2-40B4-BE49-F238E27FC236}">
+                  <a16:creationId xmlns:a16="http://schemas.microsoft.com/office/drawing/2014/main" id="{CFF177F0-DD64-4A65-55DC-1C7CF265CFAE}"/>
+                </a:ext>
+              </a:extLst>
+            </p:cNvPr>
+            <p:cNvSpPr txBox="1"/>
+            <p:nvPr/>
+          </p:nvSpPr>
+          <p:spPr>
+            <a:xfrm>
+              <a:off x="-1" y="2107858"/>
+              <a:ext cx="4572001" cy="1323439"/>
+            </a:xfrm>
+            <a:prstGeom prst="rect">
+              <a:avLst/>
+            </a:prstGeom>
+            <a:noFill/>
+          </p:spPr>
+          <p:txBody>
+            <a:bodyPr wrap="square" rtlCol="0">
+              <a:spAutoFit/>
+            </a:bodyPr>
+            <a:lstStyle/>
+            <a:p>
+              <a:pPr algn="ctr"/>
+              <a:r>
+                <a:rPr lang="en-US" sz="4000" dirty="0">
+                  <a:solidFill>
+                    <a:srgbClr val="393086"/>
+                  </a:solidFill>
+                  <a:latin typeface="Old London" panose="02000503020000020004" pitchFamily="2" charset="0"/>
+                  <a:cs typeface="Cordia New" panose="020B0304020202020204" pitchFamily="34" charset="-34"/>
+                </a:rPr>
+                <a:t>COEP Technological University</a:t>
+              </a:r>
+            </a:p>
+          </p:txBody>
+        </p:sp>
+        <p:sp>
+          <p:nvSpPr>
+            <p:cNvPr id="9" name="Rectangle 8">
+              <a:extLst>
+                <a:ext uri="{FF2B5EF4-FFF2-40B4-BE49-F238E27FC236}">
+                  <a16:creationId xmlns:a16="http://schemas.microsoft.com/office/drawing/2014/main" id="{B7F71496-7077-3657-6D4F-324A5225C6FD}"/>
+                </a:ext>
+              </a:extLst>
+            </p:cNvPr>
+            <p:cNvSpPr/>
+            <p:nvPr/>
+          </p:nvSpPr>
+          <p:spPr>
+            <a:xfrm>
+              <a:off x="0" y="0"/>
+              <a:ext cx="4572000" cy="3429000"/>
+            </a:xfrm>
+            <a:prstGeom prst="rect">
+              <a:avLst/>
+            </a:prstGeom>
+            <a:noFill/>
+            <a:ln>
+              <a:noFill/>
+            </a:ln>
+          </p:spPr>
+          <p:style>
+            <a:lnRef idx="2">
+              <a:schemeClr val="accent1">
+                <a:shade val="15000"/>
+              </a:schemeClr>
+            </a:lnRef>
+            <a:fillRef idx="1">
+              <a:schemeClr val="accent1"/>
+            </a:fillRef>
+            <a:effectRef idx="0">
+              <a:schemeClr val="accent1"/>
+            </a:effectRef>
+            <a:fontRef idx="minor">
+              <a:schemeClr val="lt1"/>
+            </a:fontRef>
+          </p:style>
+          <p:txBody>
+            <a:bodyPr rtlCol="0" anchor="ctr"/>
+            <a:lstStyle/>
+            <a:p>
+              <a:pPr algn="ctr"/>
+              <a:endParaRPr lang="en-US"/>
+            </a:p>
+          </p:txBody>
+        </p:sp>
+        <p:pic>
+          <p:nvPicPr>
+            <p:cNvPr id="1026" name="Picture 2">
+              <a:extLst>
+                <a:ext uri="{FF2B5EF4-FFF2-40B4-BE49-F238E27FC236}">
+                  <a16:creationId xmlns:a16="http://schemas.microsoft.com/office/drawing/2014/main" id="{4B6E38F2-93FE-3316-26BE-5E4003BBBD0F}"/>
+                </a:ext>
+              </a:extLst>
+            </p:cNvPr>
+            <p:cNvPicPr>
+              <a:picLocks noChangeAspect="1" noChangeArrowheads="1"/>
+            </p:cNvPicPr>
+            <p:nvPr/>
+          </p:nvPicPr>
+          <p:blipFill rotWithShape="1">
+            <a:blip r:embed="rId2"/>
+            <a:srcRect l="712" t="3556" r="-1" b="4032"/>
+            <a:stretch/>
+          </p:blipFill>
+          <p:spPr bwMode="auto">
+            <a:xfrm>
+              <a:off x="1330372" y="0"/>
+              <a:ext cx="1911252" cy="2110154"/>
+            </a:xfrm>
+            <a:prstGeom prst="rect">
+              <a:avLst/>
+            </a:prstGeom>
+            <a:noFill/>
+            <a:extLst>
+              <a:ext uri="{909E8E84-426E-40DD-AFC4-6F175D3DCCD1}">
+                <a14:hiddenFill xmlns:a14="http://schemas.microsoft.com/office/drawing/2010/main">
+                  <a:solidFill>
+                    <a:srgbClr val="FFFFFF"/>
+                  </a:solidFill>
+                </a14:hiddenFill>
+              </a:ext>
+            </a:extLst>
+          </p:spPr>
+        </p:pic>
+      </p:grpSp>
+    </p:spTree>
+    <p:extLst>
+      <p:ext uri="{BB962C8B-B14F-4D97-AF65-F5344CB8AC3E}">
+        <p14:creationId xmlns:p14="http://schemas.microsoft.com/office/powerpoint/2010/main" val="276594667"/>
+      </p:ext>
+    </p:extLst>
+  </p:cSld>
+  <p:clrMapOvr>
+    <a:masterClrMapping/>
+  </p:clrMapOvr>
+</p:sld>
+</file>
+
+<file path=ppt/slides/slide5.xml><?xml version="1.0" encoding="utf-8"?>
+<p:sld xmlns:a="http://schemas.openxmlformats.org/drawingml/2006/main" xmlns:r="http://schemas.openxmlformats.org/officeDocument/2006/relationships" xmlns:p="http://schemas.openxmlformats.org/presentationml/2006/main">
+  <p:cSld>
+    <p:spTree>
+      <p:nvGrpSpPr>
+        <p:cNvPr id="1" name=""/>
+        <p:cNvGrpSpPr/>
+        <p:nvPr/>
+      </p:nvGrpSpPr>
+      <p:grpSpPr>
+        <a:xfrm>
+          <a:off x="0" y="0"/>
+          <a:ext cx="0" cy="0"/>
+          <a:chOff x="0" y="0"/>
+          <a:chExt cx="0" cy="0"/>
+        </a:xfrm>
+      </p:grpSpPr>
       <p:sp>
         <p:nvSpPr>
           <p:cNvPr id="7" name="TextBox 6">
@@ -3893,8 +4076,8 @@
         </p:nvSpPr>
         <p:spPr>
           <a:xfrm>
-            <a:off x="-1" y="1982450"/>
-            <a:ext cx="4572001" cy="1446550"/>
+            <a:off x="0" y="2105561"/>
+            <a:ext cx="4572001" cy="1323439"/>
           </a:xfrm>
           <a:prstGeom prst="rect">
             <a:avLst/>
@@ -3909,7 +4092,7 @@
           <a:p>
             <a:pPr algn="ctr"/>
             <a:r>
-              <a:rPr lang="en-US" sz="4400" dirty="0">
+              <a:rPr lang="en-US" sz="4000" dirty="0">
                 <a:solidFill>
                   <a:srgbClr val="393086"/>
                 </a:solidFill>
@@ -3921,59 +4104,9 @@
           </a:p>
         </p:txBody>
       </p:sp>
-      <p:sp>
-        <p:nvSpPr>
-          <p:cNvPr id="9" name="Rectangle 8">
-            <a:extLst>
-              <a:ext uri="{FF2B5EF4-FFF2-40B4-BE49-F238E27FC236}">
-                <a16:creationId xmlns:a16="http://schemas.microsoft.com/office/drawing/2014/main" id="{B7F71496-7077-3657-6D4F-324A5225C6FD}"/>
-              </a:ext>
-            </a:extLst>
-          </p:cNvPr>
-          <p:cNvSpPr/>
-          <p:nvPr/>
-        </p:nvSpPr>
-        <p:spPr>
-          <a:xfrm>
-            <a:off x="0" y="0"/>
-            <a:ext cx="4572000" cy="3429000"/>
-          </a:xfrm>
-          <a:prstGeom prst="rect">
-            <a:avLst/>
-          </a:prstGeom>
-          <a:noFill/>
-          <a:ln>
-            <a:noFill/>
-          </a:ln>
-        </p:spPr>
-        <p:style>
-          <a:lnRef idx="2">
-            <a:schemeClr val="accent1">
-              <a:shade val="15000"/>
-            </a:schemeClr>
-          </a:lnRef>
-          <a:fillRef idx="1">
-            <a:schemeClr val="accent1"/>
-          </a:fillRef>
-          <a:effectRef idx="0">
-            <a:schemeClr val="accent1"/>
-          </a:effectRef>
-          <a:fontRef idx="minor">
-            <a:schemeClr val="lt1"/>
-          </a:fontRef>
-        </p:style>
-        <p:txBody>
-          <a:bodyPr rtlCol="0" anchor="ctr"/>
-          <a:lstStyle/>
-          <a:p>
-            <a:pPr algn="ctr"/>
-            <a:endParaRPr lang="en-US"/>
-          </a:p>
-        </p:txBody>
-      </p:sp>
       <p:pic>
         <p:nvPicPr>
-          <p:cNvPr id="1026" name="Picture 2" descr="No photo description available.">
+          <p:cNvPr id="1026" name="Picture 2">
             <a:extLst>
               <a:ext uri="{FF2B5EF4-FFF2-40B4-BE49-F238E27FC236}">
                 <a16:creationId xmlns:a16="http://schemas.microsoft.com/office/drawing/2014/main" id="{4B6E38F2-93FE-3316-26BE-5E4003BBBD0F}"/>
@@ -3985,23 +4118,15 @@
           </p:cNvPicPr>
           <p:nvPr/>
         </p:nvPicPr>
-        <p:blipFill>
-          <a:blip r:embed="rId2">
-            <a:extLst>
-              <a:ext uri="{28A0092B-C50C-407E-A947-70E740481C1C}">
-                <a14:useLocalDpi xmlns:a14="http://schemas.microsoft.com/office/drawing/2010/main" val="0"/>
-              </a:ext>
-            </a:extLst>
-          </a:blip>
-          <a:srcRect/>
-          <a:stretch>
-            <a:fillRect/>
-          </a:stretch>
+        <p:blipFill rotWithShape="1">
+          <a:blip r:embed="rId2"/>
+          <a:srcRect l="712" t="3556" r="-1" b="4032"/>
+          <a:stretch/>
         </p:blipFill>
         <p:spPr bwMode="auto">
           <a:xfrm>
-            <a:off x="1450297" y="75750"/>
-            <a:ext cx="1671403" cy="1988012"/>
+            <a:off x="1330372" y="0"/>
+            <a:ext cx="1911252" cy="2110154"/>
           </a:xfrm>
           <a:prstGeom prst="rect">
             <a:avLst/>
@@ -4021,7 +4146,7 @@
     </p:spTree>
     <p:extLst>
       <p:ext uri="{BB962C8B-B14F-4D97-AF65-F5344CB8AC3E}">
-        <p14:creationId xmlns:p14="http://schemas.microsoft.com/office/powerpoint/2010/main" val="276594667"/>
+        <p14:creationId xmlns:p14="http://schemas.microsoft.com/office/powerpoint/2010/main" val="728512877"/>
       </p:ext>
     </p:extLst>
   </p:cSld>

--- a/assets/images/uni-logos/uni-logos.pptx
+++ b/assets/images/uni-logos/uni-logos.pptx
@@ -3846,7 +3846,7 @@
           <a:lstStyle/>
           <a:p>
             <a:pPr algn="ctr"/>
-            <a:endParaRPr lang="en-US"/>
+            <a:endParaRPr lang="en-US" dirty="0"/>
           </a:p>
         </p:txBody>
       </p:sp>
@@ -4076,8 +4076,8 @@
         </p:nvSpPr>
         <p:spPr>
           <a:xfrm>
-            <a:off x="0" y="2105561"/>
-            <a:ext cx="4572001" cy="1323439"/>
+            <a:off x="228599" y="2110154"/>
+            <a:ext cx="4114803" cy="1323439"/>
           </a:xfrm>
           <a:prstGeom prst="rect">
             <a:avLst/>
@@ -4094,7 +4094,7 @@
             <a:r>
               <a:rPr lang="en-US" sz="4000" dirty="0">
                 <a:solidFill>
-                  <a:srgbClr val="393086"/>
+                  <a:schemeClr val="bg1"/>
                 </a:solidFill>
                 <a:latin typeface="Old London" panose="02000503020000020004" pitchFamily="2" charset="0"/>
                 <a:cs typeface="Cordia New" panose="020B0304020202020204" pitchFamily="34" charset="-34"/>
@@ -4125,7 +4125,7 @@
         </p:blipFill>
         <p:spPr bwMode="auto">
           <a:xfrm>
-            <a:off x="1330372" y="0"/>
+            <a:off x="1330374" y="0"/>
             <a:ext cx="1911252" cy="2110154"/>
           </a:xfrm>
           <a:prstGeom prst="rect">
@@ -4143,6 +4143,56 @@
           </a:extLst>
         </p:spPr>
       </p:pic>
+      <p:sp>
+        <p:nvSpPr>
+          <p:cNvPr id="2" name="Rectangle 1">
+            <a:extLst>
+              <a:ext uri="{FF2B5EF4-FFF2-40B4-BE49-F238E27FC236}">
+                <a16:creationId xmlns:a16="http://schemas.microsoft.com/office/drawing/2014/main" id="{CDF29EC6-65EF-23E3-8795-D26E757B9C6E}"/>
+              </a:ext>
+            </a:extLst>
+          </p:cNvPr>
+          <p:cNvSpPr/>
+          <p:nvPr/>
+        </p:nvSpPr>
+        <p:spPr>
+          <a:xfrm>
+            <a:off x="0" y="0"/>
+            <a:ext cx="4572000" cy="3429000"/>
+          </a:xfrm>
+          <a:prstGeom prst="rect">
+            <a:avLst/>
+          </a:prstGeom>
+          <a:noFill/>
+          <a:ln>
+            <a:noFill/>
+          </a:ln>
+        </p:spPr>
+        <p:style>
+          <a:lnRef idx="2">
+            <a:schemeClr val="accent1">
+              <a:shade val="15000"/>
+            </a:schemeClr>
+          </a:lnRef>
+          <a:fillRef idx="1">
+            <a:schemeClr val="accent1"/>
+          </a:fillRef>
+          <a:effectRef idx="0">
+            <a:schemeClr val="accent1"/>
+          </a:effectRef>
+          <a:fontRef idx="minor">
+            <a:schemeClr val="lt1"/>
+          </a:fontRef>
+        </p:style>
+        <p:txBody>
+          <a:bodyPr rtlCol="0" anchor="ctr"/>
+          <a:lstStyle/>
+          <a:p>
+            <a:pPr algn="ctr"/>
+            <a:endParaRPr lang="en-US" dirty="0"/>
+          </a:p>
+        </p:txBody>
+      </p:sp>
     </p:spTree>
     <p:extLst>
       <p:ext uri="{BB962C8B-B14F-4D97-AF65-F5344CB8AC3E}">
